--- a/lectures/lecture_16-Survey-of-Closed-Loop-Systems/Survey-Of-Closed-Loop-Systems.pptx
+++ b/lectures/lecture_16-Survey-of-Closed-Loop-Systems/Survey-Of-Closed-Loop-Systems.pptx
@@ -5340,7 +5340,15 @@
             </a:br>
             <a:r>
               <a:rPr lang="en-US" sz="3200" b="1" u="sng" dirty="0"/>
-              <a:t>Survey of Closed Loop Systems</a:t>
+              <a:t>Other Topics </a:t>
+            </a:r>
+            <a:r>
+              <a:rPr lang="en-US" sz="3200" b="1" u="sng"/>
+              <a:t>in Closed Loop </a:t>
+            </a:r>
+            <a:r>
+              <a:rPr lang="en-US" sz="3200" b="1" u="sng" dirty="0"/>
+              <a:t>Systems</a:t>
             </a:r>
             <a:br>
               <a:rPr lang="en-US" b="1" dirty="0"/>
@@ -15107,7 +15115,7 @@
           <a:lstStyle/>
           <a:p>
             <a:r>
-              <a:rPr lang="en-US"/>
+              <a:rPr lang="en-US" dirty="0"/>
               <a:t>Frequency design</a:t>
             </a:r>
           </a:p>
